--- a/presentation/GeoDjango and Openlayers 3.pptx
+++ b/presentation/GeoDjango and Openlayers 3.pptx
@@ -248,7 +248,7 @@
           <a:p>
             <a:fld id="{128FCA9C-FF92-4024-BDEC-A6D3B663DC09}" type="datetimeFigureOut">
               <a:rPr lang="en-US"/>
-              <a:t>6/12/2016</a:t>
+              <a:t>6/14/2016</a:t>
             </a:fld>
             <a:endParaRPr/>
           </a:p>
@@ -413,7 +413,7 @@
           <a:p>
             <a:fld id="{772AB877-E7B1-4681-847E-D0918612832B}" type="datetimeFigureOut">
               <a:rPr lang="en-US"/>
-              <a:t>6/12/2016</a:t>
+              <a:t>6/14/2016</a:t>
             </a:fld>
             <a:endParaRPr/>
           </a:p>
@@ -44814,7 +44814,7 @@
           <a:p>
             <a:fld id="{EDF33987-6305-4E2A-BF18-EF013ECE927B}" type="datetimeFigureOut">
               <a:rPr lang="en-US"/>
-              <a:t>6/12/2016</a:t>
+              <a:t>6/14/2016</a:t>
             </a:fld>
             <a:endParaRPr/>
           </a:p>
@@ -45029,7 +45029,7 @@
           <a:p>
             <a:fld id="{EDF33987-6305-4E2A-BF18-EF013ECE927B}" type="datetimeFigureOut">
               <a:rPr lang="en-US"/>
-              <a:t>6/12/2016</a:t>
+              <a:t>6/14/2016</a:t>
             </a:fld>
             <a:endParaRPr/>
           </a:p>
@@ -45234,7 +45234,7 @@
           <a:p>
             <a:fld id="{EDF33987-6305-4E2A-BF18-EF013ECE927B}" type="datetimeFigureOut">
               <a:rPr lang="en-US"/>
-              <a:t>6/12/2016</a:t>
+              <a:t>6/14/2016</a:t>
             </a:fld>
             <a:endParaRPr/>
           </a:p>
@@ -45502,7 +45502,7 @@
           <a:p>
             <a:fld id="{EDF33987-6305-4E2A-BF18-EF013ECE927B}" type="datetimeFigureOut">
               <a:rPr lang="en-US"/>
-              <a:t>6/12/2016</a:t>
+              <a:t>6/14/2016</a:t>
             </a:fld>
             <a:endParaRPr/>
           </a:p>
@@ -45813,7 +45813,7 @@
           <a:p>
             <a:fld id="{EDF33987-6305-4E2A-BF18-EF013ECE927B}" type="datetimeFigureOut">
               <a:rPr lang="en-US"/>
-              <a:t>6/12/2016</a:t>
+              <a:t>6/14/2016</a:t>
             </a:fld>
             <a:endParaRPr/>
           </a:p>
@@ -46276,7 +46276,7 @@
           <a:p>
             <a:fld id="{EDF33987-6305-4E2A-BF18-EF013ECE927B}" type="datetimeFigureOut">
               <a:rPr lang="en-US"/>
-              <a:t>6/12/2016</a:t>
+              <a:t>6/14/2016</a:t>
             </a:fld>
             <a:endParaRPr/>
           </a:p>
@@ -46413,7 +46413,7 @@
           <a:p>
             <a:fld id="{EDF33987-6305-4E2A-BF18-EF013ECE927B}" type="datetimeFigureOut">
               <a:rPr lang="en-US"/>
-              <a:t>6/12/2016</a:t>
+              <a:t>6/14/2016</a:t>
             </a:fld>
             <a:endParaRPr/>
           </a:p>
@@ -46527,7 +46527,7 @@
           <a:p>
             <a:fld id="{EDF33987-6305-4E2A-BF18-EF013ECE927B}" type="datetimeFigureOut">
               <a:rPr lang="en-US"/>
-              <a:t>6/12/2016</a:t>
+              <a:t>6/14/2016</a:t>
             </a:fld>
             <a:endParaRPr/>
           </a:p>
@@ -46901,7 +46901,7 @@
           <a:p>
             <a:fld id="{EDF33987-6305-4E2A-BF18-EF013ECE927B}" type="datetimeFigureOut">
               <a:rPr lang="en-US"/>
-              <a:t>6/12/2016</a:t>
+              <a:t>6/14/2016</a:t>
             </a:fld>
             <a:endParaRPr/>
           </a:p>
@@ -47268,7 +47268,7 @@
           <a:p>
             <a:fld id="{EDF33987-6305-4E2A-BF18-EF013ECE927B}" type="datetimeFigureOut">
               <a:rPr lang="en-US"/>
-              <a:t>6/12/2016</a:t>
+              <a:t>6/14/2016</a:t>
             </a:fld>
             <a:endParaRPr/>
           </a:p>
@@ -47523,7 +47523,7 @@
             <a:fld id="{EDF33987-6305-4E2A-BF18-EF013ECE927B}" type="datetimeFigureOut">
               <a:rPr lang="en-US"/>
               <a:pPr/>
-              <a:t>6/12/2016</a:t>
+              <a:t>6/14/2016</a:t>
             </a:fld>
             <a:endParaRPr/>
           </a:p>
@@ -48176,11 +48176,7 @@
             </a:r>
             <a:r>
               <a:rPr lang="en-US" dirty="0" smtClean="0"/>
-              <a:t>setting</a:t>
-            </a:r>
-            <a:r>
-              <a:rPr lang="en-US" dirty="0" smtClean="0"/>
-              <a:t>:</a:t>
+              <a:t>setting:</a:t>
             </a:r>
           </a:p>
           <a:p>
@@ -50571,16 +50567,11 @@
               <a:rPr lang="en-GB" dirty="0" smtClean="0"/>
               <a:t>data</a:t>
             </a:r>
-            <a:endParaRPr lang="en-GB" dirty="0" smtClean="0"/>
           </a:p>
           <a:p>
             <a:r>
               <a:rPr lang="en-GB" dirty="0" smtClean="0"/>
-              <a:t>Use </a:t>
-            </a:r>
-            <a:r>
-              <a:rPr lang="en-GB" dirty="0" smtClean="0"/>
-              <a:t>Bootstrap</a:t>
+              <a:t>Use Bootstrap</a:t>
             </a:r>
             <a:r>
               <a:rPr lang="en-GB" dirty="0"/>
@@ -51425,6 +51416,76 @@
         <p:txBody>
           <a:bodyPr/>
           <a:lstStyle/>
+          <a:p>
+            <a:r>
+              <a:rPr lang="en-GB" dirty="0" smtClean="0"/>
+              <a:t>Update accident data geometry point using query in </a:t>
+            </a:r>
+            <a:r>
+              <a:rPr lang="en-GB" dirty="0" err="1" smtClean="0"/>
+              <a:t>PGAdmin</a:t>
+            </a:r>
+            <a:r>
+              <a:rPr lang="en-GB" dirty="0" smtClean="0"/>
+              <a:t> III</a:t>
+            </a:r>
+          </a:p>
+          <a:p>
+            <a:pPr lvl="1"/>
+            <a:r>
+              <a:rPr lang="en-GB" dirty="0"/>
+              <a:t>UPDATE </a:t>
+            </a:r>
+            <a:r>
+              <a:rPr lang="en-GB" dirty="0" err="1"/>
+              <a:t>accidents_accident</a:t>
+            </a:r>
+            <a:r>
+              <a:rPr lang="en-GB" dirty="0"/>
+              <a:t> SET </a:t>
+            </a:r>
+            <a:r>
+              <a:rPr lang="en-GB" dirty="0" err="1"/>
+              <a:t>geom</a:t>
+            </a:r>
+            <a:r>
+              <a:rPr lang="en-GB" dirty="0"/>
+              <a:t>=</a:t>
+            </a:r>
+            <a:r>
+              <a:rPr lang="en-GB" dirty="0" err="1"/>
+              <a:t>ST_GeomFromText</a:t>
+            </a:r>
+            <a:r>
+              <a:rPr lang="en-GB" dirty="0"/>
+              <a:t>('POINT(' || </a:t>
+            </a:r>
+            <a:r>
+              <a:rPr lang="en-GB" dirty="0" err="1"/>
+              <a:t>location_easting_osgr</a:t>
+            </a:r>
+            <a:r>
+              <a:rPr lang="en-GB" dirty="0"/>
+              <a:t> || ' ' || </a:t>
+            </a:r>
+            <a:r>
+              <a:rPr lang="en-GB" dirty="0" err="1"/>
+              <a:t>location_northing_osgr</a:t>
+            </a:r>
+            <a:r>
+              <a:rPr lang="en-GB" dirty="0"/>
+              <a:t> || ')',</a:t>
+            </a:r>
+            <a:r>
+              <a:rPr lang="en-GB"/>
+              <a:t>27700</a:t>
+            </a:r>
+            <a:r>
+              <a:rPr lang="en-GB" smtClean="0"/>
+              <a:t>);</a:t>
+            </a:r>
+            <a:endParaRPr lang="en-GB" dirty="0"/>
+          </a:p>
           <a:p>
             <a:r>
               <a:rPr lang="en-GB" dirty="0" smtClean="0"/>
@@ -51631,7 +51692,6 @@
               <a:rPr lang="en-GB" dirty="0" smtClean="0"/>
               <a:t> python framework that makes it easy to develop web applications </a:t>
             </a:r>
-            <a:endParaRPr lang="en-GB" dirty="0" smtClean="0"/>
           </a:p>
           <a:p>
             <a:r>
@@ -52059,7 +52119,6 @@
               <a:rPr lang="en-US" dirty="0" smtClean="0"/>
               <a:t>Integrating data with spatial information</a:t>
             </a:r>
-            <a:endParaRPr lang="en-US" dirty="0" smtClean="0"/>
           </a:p>
           <a:p>
             <a:r>
@@ -52326,7 +52385,6 @@
               <a:rPr lang="en-US" dirty="0" smtClean="0"/>
               <a:t>apt-get install python3-psycopg2</a:t>
             </a:r>
-            <a:endParaRPr lang="en-US" dirty="0" smtClean="0"/>
           </a:p>
           <a:p>
             <a:r>
